--- a/Complete-Python-3-Bootcamp-master/06-Modules and Packages/PackageAndModule.pptx
+++ b/Complete-Python-3-Bootcamp-master/06-Modules and Packages/PackageAndModule.pptx
@@ -270,7 +270,7 @@
           <a:p>
             <a:fld id="{D5212838-0FBB-451E-8D53-2693C047D6D5}" type="datetimeFigureOut">
               <a:rPr lang="en-US" smtClean="0"/>
-              <a:t>9/16/2020</a:t>
+              <a:t>11/20/2020</a:t>
             </a:fld>
             <a:endParaRPr lang="en-US"/>
           </a:p>
@@ -468,7 +468,7 @@
           <a:p>
             <a:fld id="{D5212838-0FBB-451E-8D53-2693C047D6D5}" type="datetimeFigureOut">
               <a:rPr lang="en-US" smtClean="0"/>
-              <a:t>9/16/2020</a:t>
+              <a:t>11/20/2020</a:t>
             </a:fld>
             <a:endParaRPr lang="en-US"/>
           </a:p>
@@ -676,7 +676,7 @@
           <a:p>
             <a:fld id="{D5212838-0FBB-451E-8D53-2693C047D6D5}" type="datetimeFigureOut">
               <a:rPr lang="en-US" smtClean="0"/>
-              <a:t>9/16/2020</a:t>
+              <a:t>11/20/2020</a:t>
             </a:fld>
             <a:endParaRPr lang="en-US"/>
           </a:p>
@@ -874,7 +874,7 @@
           <a:p>
             <a:fld id="{D5212838-0FBB-451E-8D53-2693C047D6D5}" type="datetimeFigureOut">
               <a:rPr lang="en-US" smtClean="0"/>
-              <a:t>9/16/2020</a:t>
+              <a:t>11/20/2020</a:t>
             </a:fld>
             <a:endParaRPr lang="en-US"/>
           </a:p>
@@ -1149,7 +1149,7 @@
           <a:p>
             <a:fld id="{D5212838-0FBB-451E-8D53-2693C047D6D5}" type="datetimeFigureOut">
               <a:rPr lang="en-US" smtClean="0"/>
-              <a:t>9/16/2020</a:t>
+              <a:t>11/20/2020</a:t>
             </a:fld>
             <a:endParaRPr lang="en-US"/>
           </a:p>
@@ -1414,7 +1414,7 @@
           <a:p>
             <a:fld id="{D5212838-0FBB-451E-8D53-2693C047D6D5}" type="datetimeFigureOut">
               <a:rPr lang="en-US" smtClean="0"/>
-              <a:t>9/16/2020</a:t>
+              <a:t>11/20/2020</a:t>
             </a:fld>
             <a:endParaRPr lang="en-US"/>
           </a:p>
@@ -1826,7 +1826,7 @@
           <a:p>
             <a:fld id="{D5212838-0FBB-451E-8D53-2693C047D6D5}" type="datetimeFigureOut">
               <a:rPr lang="en-US" smtClean="0"/>
-              <a:t>9/16/2020</a:t>
+              <a:t>11/20/2020</a:t>
             </a:fld>
             <a:endParaRPr lang="en-US"/>
           </a:p>
@@ -1967,7 +1967,7 @@
           <a:p>
             <a:fld id="{D5212838-0FBB-451E-8D53-2693C047D6D5}" type="datetimeFigureOut">
               <a:rPr lang="en-US" smtClean="0"/>
-              <a:t>9/16/2020</a:t>
+              <a:t>11/20/2020</a:t>
             </a:fld>
             <a:endParaRPr lang="en-US"/>
           </a:p>
@@ -2080,7 +2080,7 @@
           <a:p>
             <a:fld id="{D5212838-0FBB-451E-8D53-2693C047D6D5}" type="datetimeFigureOut">
               <a:rPr lang="en-US" smtClean="0"/>
-              <a:t>9/16/2020</a:t>
+              <a:t>11/20/2020</a:t>
             </a:fld>
             <a:endParaRPr lang="en-US"/>
           </a:p>
@@ -2391,7 +2391,7 @@
           <a:p>
             <a:fld id="{D5212838-0FBB-451E-8D53-2693C047D6D5}" type="datetimeFigureOut">
               <a:rPr lang="en-US" smtClean="0"/>
-              <a:t>9/16/2020</a:t>
+              <a:t>11/20/2020</a:t>
             </a:fld>
             <a:endParaRPr lang="en-US"/>
           </a:p>
@@ -2679,7 +2679,7 @@
           <a:p>
             <a:fld id="{D5212838-0FBB-451E-8D53-2693C047D6D5}" type="datetimeFigureOut">
               <a:rPr lang="en-US" smtClean="0"/>
-              <a:t>9/16/2020</a:t>
+              <a:t>11/20/2020</a:t>
             </a:fld>
             <a:endParaRPr lang="en-US"/>
           </a:p>
@@ -2920,7 +2920,7 @@
           <a:p>
             <a:fld id="{D5212838-0FBB-451E-8D53-2693C047D6D5}" type="datetimeFigureOut">
               <a:rPr lang="en-US" smtClean="0"/>
-              <a:t>9/16/2020</a:t>
+              <a:t>11/20/2020</a:t>
             </a:fld>
             <a:endParaRPr lang="en-US"/>
           </a:p>
@@ -4851,8 +4851,21 @@
                   <a:schemeClr val="tx1"/>
                 </a:solidFill>
               </a:rPr>
-              <a:t>from P import M</a:t>
-            </a:r>
+              <a:t>from P </a:t>
+            </a:r>
+            <a:r>
+              <a:rPr lang="en-US" sz="1400">
+                <a:solidFill>
+                  <a:schemeClr val="tx1"/>
+                </a:solidFill>
+              </a:rPr>
+              <a:t>import M</a:t>
+            </a:r>
+            <a:endParaRPr lang="en-US" sz="1400" dirty="0">
+              <a:solidFill>
+                <a:schemeClr val="tx1"/>
+              </a:solidFill>
+            </a:endParaRPr>
           </a:p>
           <a:p>
             <a:pPr marL="285750" indent="-285750">
@@ -4874,7 +4887,7 @@
               <a:buChar char="•"/>
             </a:pPr>
             <a:r>
-              <a:rPr lang="en-US" sz="1400" dirty="0">
+              <a:rPr lang="en-US" sz="1400" strike="sngStrike" dirty="0">
                 <a:solidFill>
                   <a:schemeClr val="tx1"/>
                 </a:solidFill>
